--- a/Agenda.pptx
+++ b/Agenda.pptx
@@ -265,7 +265,7 @@
           <a:p>
             <a:fld id="{B912D0AE-064D-4AF1-BBEB-61FB3726AD02}" type="datetimeFigureOut">
               <a:rPr lang="en-US" smtClean="0"/>
-              <a:t>12/8/2023</a:t>
+              <a:t>1/5/2024</a:t>
             </a:fld>
             <a:endParaRPr lang="en-US"/>
           </a:p>
@@ -463,7 +463,7 @@
           <a:p>
             <a:fld id="{B912D0AE-064D-4AF1-BBEB-61FB3726AD02}" type="datetimeFigureOut">
               <a:rPr lang="en-US" smtClean="0"/>
-              <a:t>12/8/2023</a:t>
+              <a:t>1/5/2024</a:t>
             </a:fld>
             <a:endParaRPr lang="en-US"/>
           </a:p>
@@ -671,7 +671,7 @@
           <a:p>
             <a:fld id="{B912D0AE-064D-4AF1-BBEB-61FB3726AD02}" type="datetimeFigureOut">
               <a:rPr lang="en-US" smtClean="0"/>
-              <a:t>12/8/2023</a:t>
+              <a:t>1/5/2024</a:t>
             </a:fld>
             <a:endParaRPr lang="en-US"/>
           </a:p>
@@ -869,7 +869,7 @@
           <a:p>
             <a:fld id="{B912D0AE-064D-4AF1-BBEB-61FB3726AD02}" type="datetimeFigureOut">
               <a:rPr lang="en-US" smtClean="0"/>
-              <a:t>12/8/2023</a:t>
+              <a:t>1/5/2024</a:t>
             </a:fld>
             <a:endParaRPr lang="en-US"/>
           </a:p>
@@ -1144,7 +1144,7 @@
           <a:p>
             <a:fld id="{B912D0AE-064D-4AF1-BBEB-61FB3726AD02}" type="datetimeFigureOut">
               <a:rPr lang="en-US" smtClean="0"/>
-              <a:t>12/8/2023</a:t>
+              <a:t>1/5/2024</a:t>
             </a:fld>
             <a:endParaRPr lang="en-US"/>
           </a:p>
@@ -1409,7 +1409,7 @@
           <a:p>
             <a:fld id="{B912D0AE-064D-4AF1-BBEB-61FB3726AD02}" type="datetimeFigureOut">
               <a:rPr lang="en-US" smtClean="0"/>
-              <a:t>12/8/2023</a:t>
+              <a:t>1/5/2024</a:t>
             </a:fld>
             <a:endParaRPr lang="en-US"/>
           </a:p>
@@ -1821,7 +1821,7 @@
           <a:p>
             <a:fld id="{B912D0AE-064D-4AF1-BBEB-61FB3726AD02}" type="datetimeFigureOut">
               <a:rPr lang="en-US" smtClean="0"/>
-              <a:t>12/8/2023</a:t>
+              <a:t>1/5/2024</a:t>
             </a:fld>
             <a:endParaRPr lang="en-US"/>
           </a:p>
@@ -1962,7 +1962,7 @@
           <a:p>
             <a:fld id="{B912D0AE-064D-4AF1-BBEB-61FB3726AD02}" type="datetimeFigureOut">
               <a:rPr lang="en-US" smtClean="0"/>
-              <a:t>12/8/2023</a:t>
+              <a:t>1/5/2024</a:t>
             </a:fld>
             <a:endParaRPr lang="en-US"/>
           </a:p>
@@ -2075,7 +2075,7 @@
           <a:p>
             <a:fld id="{B912D0AE-064D-4AF1-BBEB-61FB3726AD02}" type="datetimeFigureOut">
               <a:rPr lang="en-US" smtClean="0"/>
-              <a:t>12/8/2023</a:t>
+              <a:t>1/5/2024</a:t>
             </a:fld>
             <a:endParaRPr lang="en-US"/>
           </a:p>
@@ -2386,7 +2386,7 @@
           <a:p>
             <a:fld id="{B912D0AE-064D-4AF1-BBEB-61FB3726AD02}" type="datetimeFigureOut">
               <a:rPr lang="en-US" smtClean="0"/>
-              <a:t>12/8/2023</a:t>
+              <a:t>1/5/2024</a:t>
             </a:fld>
             <a:endParaRPr lang="en-US"/>
           </a:p>
@@ -2674,7 +2674,7 @@
           <a:p>
             <a:fld id="{B912D0AE-064D-4AF1-BBEB-61FB3726AD02}" type="datetimeFigureOut">
               <a:rPr lang="en-US" smtClean="0"/>
-              <a:t>12/8/2023</a:t>
+              <a:t>1/5/2024</a:t>
             </a:fld>
             <a:endParaRPr lang="en-US"/>
           </a:p>
@@ -2915,7 +2915,7 @@
           <a:p>
             <a:fld id="{B912D0AE-064D-4AF1-BBEB-61FB3726AD02}" type="datetimeFigureOut">
               <a:rPr lang="en-US" smtClean="0"/>
-              <a:t>12/8/2023</a:t>
+              <a:t>1/5/2024</a:t>
             </a:fld>
             <a:endParaRPr lang="en-US"/>
           </a:p>
@@ -4248,7 +4248,9 @@
         </p:nvSpPr>
         <p:spPr/>
         <p:txBody>
-          <a:bodyPr/>
+          <a:bodyPr>
+            <a:normAutofit/>
+          </a:bodyPr>
           <a:lstStyle/>
           <a:p>
             <a:pPr marL="0" indent="0">
@@ -4257,49 +4259,167 @@
             <a:endParaRPr lang="en-US" dirty="0"/>
           </a:p>
           <a:p>
+            <a:pPr marL="0" indent="0" rtl="0" latinLnBrk="0">
+              <a:lnSpc>
+                <a:spcPct val="90000"/>
+              </a:lnSpc>
+              <a:spcBef>
+                <a:spcPts val="1000"/>
+              </a:spcBef>
+              <a:spcAft>
+                <a:spcPts val="0"/>
+              </a:spcAft>
+              <a:buNone/>
+            </a:pPr>
+            <a:r>
+              <a:rPr lang="en-US" dirty="0">
+                <a:solidFill>
+                  <a:srgbClr val="000000"/>
+                </a:solidFill>
+                <a:effectLst/>
+                <a:latin typeface="Calibri" panose="020F0502020204030204" pitchFamily="34" charset="0"/>
+              </a:rPr>
+              <a:t>Basic Clarity - lisp-like language - prefix functions, contract scope</a:t>
+            </a:r>
+          </a:p>
+          <a:p>
             <a:pPr marL="0" indent="0">
               <a:buNone/>
             </a:pPr>
             <a:r>
               <a:rPr lang="en-US" dirty="0"/>
-              <a:t>45 minutes – basic clarity</a:t>
-            </a:r>
+              <a:t>    45 minutes</a:t>
+            </a:r>
+            <a:endParaRPr lang="en-US" dirty="0">
+              <a:effectLst/>
+            </a:endParaRPr>
+          </a:p>
+          <a:p>
+            <a:pPr marL="0" indent="0" rtl="0" latinLnBrk="0">
+              <a:lnSpc>
+                <a:spcPct val="90000"/>
+              </a:lnSpc>
+              <a:spcBef>
+                <a:spcPts val="1000"/>
+              </a:spcBef>
+              <a:spcAft>
+                <a:spcPts val="0"/>
+              </a:spcAft>
+              <a:buNone/>
+            </a:pPr>
+            <a:r>
+              <a:rPr lang="en-US" dirty="0">
+                <a:solidFill>
+                  <a:srgbClr val="000000"/>
+                </a:solidFill>
+                <a:effectLst/>
+                <a:latin typeface="Calibri" panose="020F0502020204030204" pitchFamily="34" charset="0"/>
+              </a:rPr>
+              <a:t>Factorial function – working without recursion and unbounded iteration</a:t>
+            </a:r>
+          </a:p>
+          <a:p>
+            <a:pPr marL="0" indent="0" rtl="0" latinLnBrk="0">
+              <a:lnSpc>
+                <a:spcPct val="90000"/>
+              </a:lnSpc>
+              <a:spcBef>
+                <a:spcPts val="1000"/>
+              </a:spcBef>
+              <a:spcAft>
+                <a:spcPts val="0"/>
+              </a:spcAft>
+              <a:buNone/>
+            </a:pPr>
+            <a:r>
+              <a:rPr lang="en-US" dirty="0">
+                <a:effectLst/>
+              </a:rPr>
+              <a:t>    </a:t>
+            </a:r>
+            <a:r>
+              <a:rPr lang="en-US" dirty="0"/>
+              <a:t>45 minutes</a:t>
+            </a:r>
+            <a:endParaRPr lang="en-US" dirty="0">
+              <a:effectLst/>
+            </a:endParaRPr>
+          </a:p>
+          <a:p>
+            <a:pPr marL="0" indent="0" rtl="0" latinLnBrk="0">
+              <a:lnSpc>
+                <a:spcPct val="90000"/>
+              </a:lnSpc>
+              <a:spcBef>
+                <a:spcPts val="1000"/>
+              </a:spcBef>
+              <a:spcAft>
+                <a:spcPts val="0"/>
+              </a:spcAft>
+              <a:buNone/>
+            </a:pPr>
+            <a:r>
+              <a:rPr lang="en-US" dirty="0">
+                <a:solidFill>
+                  <a:srgbClr val="000000"/>
+                </a:solidFill>
+                <a:effectLst/>
+                <a:latin typeface="Calibri" panose="020F0502020204030204" pitchFamily="34" charset="0"/>
+              </a:rPr>
+              <a:t>Time locked contract -  textbook example using </a:t>
+            </a:r>
+            <a:r>
+              <a:rPr lang="en-US" dirty="0" err="1">
+                <a:solidFill>
+                  <a:srgbClr val="000000"/>
+                </a:solidFill>
+                <a:effectLst/>
+                <a:latin typeface="Calibri" panose="020F0502020204030204" pitchFamily="34" charset="0"/>
+              </a:rPr>
+              <a:t>blockheight</a:t>
+            </a:r>
+            <a:r>
+              <a:rPr lang="en-US" dirty="0">
+                <a:solidFill>
+                  <a:srgbClr val="000000"/>
+                </a:solidFill>
+                <a:effectLst/>
+                <a:latin typeface="Calibri" panose="020F0502020204030204" pitchFamily="34" charset="0"/>
+              </a:rPr>
+              <a:t> and restricted access</a:t>
+            </a:r>
+          </a:p>
+          <a:p>
+            <a:pPr marL="0" indent="0" rtl="0" latinLnBrk="0">
+              <a:lnSpc>
+                <a:spcPct val="90000"/>
+              </a:lnSpc>
+              <a:spcBef>
+                <a:spcPts val="1000"/>
+              </a:spcBef>
+              <a:spcAft>
+                <a:spcPts val="0"/>
+              </a:spcAft>
+              <a:buNone/>
+            </a:pPr>
+            <a:r>
+              <a:rPr lang="en-US" dirty="0">
+                <a:solidFill>
+                  <a:srgbClr val="000000"/>
+                </a:solidFill>
+                <a:latin typeface="Calibri" panose="020F0502020204030204" pitchFamily="34" charset="0"/>
+              </a:rPr>
+              <a:t>    45 minutes</a:t>
+            </a:r>
+            <a:endParaRPr lang="en-US" dirty="0">
+              <a:effectLst/>
+            </a:endParaRPr>
           </a:p>
           <a:p>
             <a:pPr marL="0" indent="0">
               <a:buNone/>
             </a:pPr>
-            <a:r>
-              <a:rPr lang="en-US" dirty="0"/>
-              <a:t>	15 minute break</a:t>
-            </a:r>
-          </a:p>
-          <a:p>
-            <a:pPr marL="0" indent="0">
-              <a:buNone/>
-            </a:pPr>
-            <a:r>
-              <a:rPr lang="en-US" dirty="0"/>
-              <a:t>45 minutes – factorial function</a:t>
-            </a:r>
-          </a:p>
-          <a:p>
-            <a:pPr marL="0" indent="0">
-              <a:buNone/>
-            </a:pPr>
-            <a:r>
-              <a:rPr lang="en-US" dirty="0"/>
-              <a:t>	15 minute break</a:t>
-            </a:r>
-          </a:p>
-          <a:p>
-            <a:pPr marL="0" indent="0">
-              <a:buNone/>
-            </a:pPr>
-            <a:r>
-              <a:rPr lang="en-US" dirty="0"/>
-              <a:t>45 minutes – time locked contract</a:t>
-            </a:r>
+            <a:endParaRPr lang="en-US" dirty="0"/>
           </a:p>
         </p:txBody>
       </p:sp>

--- a/Agenda.pptx
+++ b/Agenda.pptx
@@ -265,7 +265,7 @@
           <a:p>
             <a:fld id="{B912D0AE-064D-4AF1-BBEB-61FB3726AD02}" type="datetimeFigureOut">
               <a:rPr lang="en-US" smtClean="0"/>
-              <a:t>1/5/2024</a:t>
+              <a:t>11/28/2024</a:t>
             </a:fld>
             <a:endParaRPr lang="en-US"/>
           </a:p>
@@ -463,7 +463,7 @@
           <a:p>
             <a:fld id="{B912D0AE-064D-4AF1-BBEB-61FB3726AD02}" type="datetimeFigureOut">
               <a:rPr lang="en-US" smtClean="0"/>
-              <a:t>1/5/2024</a:t>
+              <a:t>11/28/2024</a:t>
             </a:fld>
             <a:endParaRPr lang="en-US"/>
           </a:p>
@@ -671,7 +671,7 @@
           <a:p>
             <a:fld id="{B912D0AE-064D-4AF1-BBEB-61FB3726AD02}" type="datetimeFigureOut">
               <a:rPr lang="en-US" smtClean="0"/>
-              <a:t>1/5/2024</a:t>
+              <a:t>11/28/2024</a:t>
             </a:fld>
             <a:endParaRPr lang="en-US"/>
           </a:p>
@@ -869,7 +869,7 @@
           <a:p>
             <a:fld id="{B912D0AE-064D-4AF1-BBEB-61FB3726AD02}" type="datetimeFigureOut">
               <a:rPr lang="en-US" smtClean="0"/>
-              <a:t>1/5/2024</a:t>
+              <a:t>11/28/2024</a:t>
             </a:fld>
             <a:endParaRPr lang="en-US"/>
           </a:p>
@@ -1144,7 +1144,7 @@
           <a:p>
             <a:fld id="{B912D0AE-064D-4AF1-BBEB-61FB3726AD02}" type="datetimeFigureOut">
               <a:rPr lang="en-US" smtClean="0"/>
-              <a:t>1/5/2024</a:t>
+              <a:t>11/28/2024</a:t>
             </a:fld>
             <a:endParaRPr lang="en-US"/>
           </a:p>
@@ -1409,7 +1409,7 @@
           <a:p>
             <a:fld id="{B912D0AE-064D-4AF1-BBEB-61FB3726AD02}" type="datetimeFigureOut">
               <a:rPr lang="en-US" smtClean="0"/>
-              <a:t>1/5/2024</a:t>
+              <a:t>11/28/2024</a:t>
             </a:fld>
             <a:endParaRPr lang="en-US"/>
           </a:p>
@@ -1821,7 +1821,7 @@
           <a:p>
             <a:fld id="{B912D0AE-064D-4AF1-BBEB-61FB3726AD02}" type="datetimeFigureOut">
               <a:rPr lang="en-US" smtClean="0"/>
-              <a:t>1/5/2024</a:t>
+              <a:t>11/28/2024</a:t>
             </a:fld>
             <a:endParaRPr lang="en-US"/>
           </a:p>
@@ -1962,7 +1962,7 @@
           <a:p>
             <a:fld id="{B912D0AE-064D-4AF1-BBEB-61FB3726AD02}" type="datetimeFigureOut">
               <a:rPr lang="en-US" smtClean="0"/>
-              <a:t>1/5/2024</a:t>
+              <a:t>11/28/2024</a:t>
             </a:fld>
             <a:endParaRPr lang="en-US"/>
           </a:p>
@@ -2075,7 +2075,7 @@
           <a:p>
             <a:fld id="{B912D0AE-064D-4AF1-BBEB-61FB3726AD02}" type="datetimeFigureOut">
               <a:rPr lang="en-US" smtClean="0"/>
-              <a:t>1/5/2024</a:t>
+              <a:t>11/28/2024</a:t>
             </a:fld>
             <a:endParaRPr lang="en-US"/>
           </a:p>
@@ -2386,7 +2386,7 @@
           <a:p>
             <a:fld id="{B912D0AE-064D-4AF1-BBEB-61FB3726AD02}" type="datetimeFigureOut">
               <a:rPr lang="en-US" smtClean="0"/>
-              <a:t>1/5/2024</a:t>
+              <a:t>11/28/2024</a:t>
             </a:fld>
             <a:endParaRPr lang="en-US"/>
           </a:p>
@@ -2674,7 +2674,7 @@
           <a:p>
             <a:fld id="{B912D0AE-064D-4AF1-BBEB-61FB3726AD02}" type="datetimeFigureOut">
               <a:rPr lang="en-US" smtClean="0"/>
-              <a:t>1/5/2024</a:t>
+              <a:t>11/28/2024</a:t>
             </a:fld>
             <a:endParaRPr lang="en-US"/>
           </a:p>
@@ -2915,7 +2915,7 @@
           <a:p>
             <a:fld id="{B912D0AE-064D-4AF1-BBEB-61FB3726AD02}" type="datetimeFigureOut">
               <a:rPr lang="en-US" smtClean="0"/>
-              <a:t>1/5/2024</a:t>
+              <a:t>11/28/2024</a:t>
             </a:fld>
             <a:endParaRPr lang="en-US"/>
           </a:p>
@@ -4207,7 +4207,7 @@
           <p:cNvPr id="2" name="Title 1">
             <a:extLst>
               <a:ext uri="{FF2B5EF4-FFF2-40B4-BE49-F238E27FC236}">
-                <a16:creationId xmlns:a16="http://schemas.microsoft.com/office/drawing/2014/main" id="{5C4ED8B2-C9A7-A53A-9131-00E394DB053C}"/>
+                <a16:creationId xmlns:a16="http://schemas.microsoft.com/office/drawing/2014/main" id="{2CC60050-8BD9-EF3D-FFF2-9DE6092F5EC7}"/>
               </a:ext>
             </a:extLst>
           </p:cNvPr>
@@ -4225,208 +4225,45 @@
           <a:p>
             <a:r>
               <a:rPr lang="en-US" dirty="0"/>
-              <a:t>Plan</a:t>
-            </a:r>
-          </a:p>
-        </p:txBody>
-      </p:sp>
-      <p:sp>
-        <p:nvSpPr>
-          <p:cNvPr id="3" name="Content Placeholder 2">
-            <a:extLst>
-              <a:ext uri="{FF2B5EF4-FFF2-40B4-BE49-F238E27FC236}">
-                <a16:creationId xmlns:a16="http://schemas.microsoft.com/office/drawing/2014/main" id="{51E59790-DB20-6161-C7BB-20D0153C1DD7}"/>
-              </a:ext>
-            </a:extLst>
-          </p:cNvPr>
-          <p:cNvSpPr>
-            <a:spLocks noGrp="1"/>
-          </p:cNvSpPr>
-          <p:nvPr>
-            <p:ph idx="1"/>
-          </p:nvPr>
-        </p:nvSpPr>
-        <p:spPr/>
-        <p:txBody>
-          <a:bodyPr>
-            <a:normAutofit/>
-          </a:bodyPr>
-          <a:lstStyle/>
-          <a:p>
-            <a:pPr marL="0" indent="0">
-              <a:buNone/>
-            </a:pPr>
-            <a:endParaRPr lang="en-US" dirty="0"/>
-          </a:p>
-          <a:p>
-            <a:pPr marL="0" indent="0" rtl="0" latinLnBrk="0">
-              <a:lnSpc>
-                <a:spcPct val="90000"/>
-              </a:lnSpc>
-              <a:spcBef>
-                <a:spcPts val="1000"/>
-              </a:spcBef>
-              <a:spcAft>
-                <a:spcPts val="0"/>
-              </a:spcAft>
-              <a:buNone/>
-            </a:pPr>
-            <a:r>
-              <a:rPr lang="en-US" dirty="0">
-                <a:solidFill>
-                  <a:srgbClr val="000000"/>
-                </a:solidFill>
-                <a:effectLst/>
-                <a:latin typeface="Calibri" panose="020F0502020204030204" pitchFamily="34" charset="0"/>
-              </a:rPr>
-              <a:t>Basic Clarity - lisp-like language - prefix functions, contract scope</a:t>
-            </a:r>
-          </a:p>
-          <a:p>
-            <a:pPr marL="0" indent="0">
-              <a:buNone/>
-            </a:pPr>
-            <a:r>
-              <a:rPr lang="en-US" dirty="0"/>
-              <a:t>    45 minutes</a:t>
-            </a:r>
-            <a:endParaRPr lang="en-US" dirty="0">
-              <a:effectLst/>
-            </a:endParaRPr>
-          </a:p>
-          <a:p>
-            <a:pPr marL="0" indent="0" rtl="0" latinLnBrk="0">
-              <a:lnSpc>
-                <a:spcPct val="90000"/>
-              </a:lnSpc>
-              <a:spcBef>
-                <a:spcPts val="1000"/>
-              </a:spcBef>
-              <a:spcAft>
-                <a:spcPts val="0"/>
-              </a:spcAft>
-              <a:buNone/>
-            </a:pPr>
-            <a:r>
-              <a:rPr lang="en-US" dirty="0">
-                <a:solidFill>
-                  <a:srgbClr val="000000"/>
-                </a:solidFill>
-                <a:effectLst/>
-                <a:latin typeface="Calibri" panose="020F0502020204030204" pitchFamily="34" charset="0"/>
-              </a:rPr>
-              <a:t>Factorial function – working without recursion and unbounded iteration</a:t>
-            </a:r>
-          </a:p>
-          <a:p>
-            <a:pPr marL="0" indent="0" rtl="0" latinLnBrk="0">
-              <a:lnSpc>
-                <a:spcPct val="90000"/>
-              </a:lnSpc>
-              <a:spcBef>
-                <a:spcPts val="1000"/>
-              </a:spcBef>
-              <a:spcAft>
-                <a:spcPts val="0"/>
-              </a:spcAft>
-              <a:buNone/>
-            </a:pPr>
-            <a:r>
-              <a:rPr lang="en-US" dirty="0">
-                <a:effectLst/>
-              </a:rPr>
-              <a:t>    </a:t>
-            </a:r>
-            <a:r>
-              <a:rPr lang="en-US" dirty="0"/>
-              <a:t>45 minutes</a:t>
-            </a:r>
-            <a:endParaRPr lang="en-US" dirty="0">
-              <a:effectLst/>
-            </a:endParaRPr>
-          </a:p>
-          <a:p>
-            <a:pPr marL="0" indent="0" rtl="0" latinLnBrk="0">
-              <a:lnSpc>
-                <a:spcPct val="90000"/>
-              </a:lnSpc>
-              <a:spcBef>
-                <a:spcPts val="1000"/>
-              </a:spcBef>
-              <a:spcAft>
-                <a:spcPts val="0"/>
-              </a:spcAft>
-              <a:buNone/>
-            </a:pPr>
-            <a:r>
-              <a:rPr lang="en-US" dirty="0">
-                <a:solidFill>
-                  <a:srgbClr val="000000"/>
-                </a:solidFill>
-                <a:effectLst/>
-                <a:latin typeface="Calibri" panose="020F0502020204030204" pitchFamily="34" charset="0"/>
-              </a:rPr>
-              <a:t>Time locked contract -  textbook example using </a:t>
-            </a:r>
-            <a:r>
-              <a:rPr lang="en-US" dirty="0" err="1">
-                <a:solidFill>
-                  <a:srgbClr val="000000"/>
-                </a:solidFill>
-                <a:effectLst/>
-                <a:latin typeface="Calibri" panose="020F0502020204030204" pitchFamily="34" charset="0"/>
-              </a:rPr>
-              <a:t>blockheight</a:t>
-            </a:r>
-            <a:r>
-              <a:rPr lang="en-US" dirty="0">
-                <a:solidFill>
-                  <a:srgbClr val="000000"/>
-                </a:solidFill>
-                <a:effectLst/>
-                <a:latin typeface="Calibri" panose="020F0502020204030204" pitchFamily="34" charset="0"/>
-              </a:rPr>
-              <a:t> and restricted access</a:t>
-            </a:r>
-          </a:p>
-          <a:p>
-            <a:pPr marL="0" indent="0" rtl="0" latinLnBrk="0">
-              <a:lnSpc>
-                <a:spcPct val="90000"/>
-              </a:lnSpc>
-              <a:spcBef>
-                <a:spcPts val="1000"/>
-              </a:spcBef>
-              <a:spcAft>
-                <a:spcPts val="0"/>
-              </a:spcAft>
-              <a:buNone/>
-            </a:pPr>
-            <a:r>
-              <a:rPr lang="en-US" dirty="0">
-                <a:solidFill>
-                  <a:srgbClr val="000000"/>
-                </a:solidFill>
-                <a:latin typeface="Calibri" panose="020F0502020204030204" pitchFamily="34" charset="0"/>
-              </a:rPr>
-              <a:t>    45 minutes</a:t>
-            </a:r>
-            <a:endParaRPr lang="en-US" dirty="0">
-              <a:effectLst/>
-            </a:endParaRPr>
-          </a:p>
-          <a:p>
-            <a:pPr marL="0" indent="0">
-              <a:buNone/>
-            </a:pPr>
-            <a:endParaRPr lang="en-US" dirty="0"/>
-          </a:p>
-        </p:txBody>
-      </p:sp>
+              <a:t>Sponsor </a:t>
+            </a:r>
+          </a:p>
+        </p:txBody>
+      </p:sp>
+      <p:pic>
+        <p:nvPicPr>
+          <p:cNvPr id="4" name="Picture 3">
+            <a:extLst>
+              <a:ext uri="{FF2B5EF4-FFF2-40B4-BE49-F238E27FC236}">
+                <a16:creationId xmlns:a16="http://schemas.microsoft.com/office/drawing/2014/main" id="{6CE76905-A0A1-5F8F-9005-FD05DADD4F6C}"/>
+              </a:ext>
+            </a:extLst>
+          </p:cNvPr>
+          <p:cNvPicPr>
+            <a:picLocks noChangeAspect="1"/>
+          </p:cNvPicPr>
+          <p:nvPr/>
+        </p:nvPicPr>
+        <p:blipFill>
+          <a:blip r:embed="rId2"/>
+          <a:stretch>
+            <a:fillRect/>
+          </a:stretch>
+        </p:blipFill>
+        <p:spPr>
+          <a:xfrm>
+            <a:off x="3881573" y="572611"/>
+            <a:ext cx="8019241" cy="5993373"/>
+          </a:xfrm>
+          <a:prstGeom prst="rect">
+            <a:avLst/>
+          </a:prstGeom>
+        </p:spPr>
+      </p:pic>
     </p:spTree>
     <p:extLst>
       <p:ext uri="{BB962C8B-B14F-4D97-AF65-F5344CB8AC3E}">
-        <p14:creationId xmlns:p14="http://schemas.microsoft.com/office/powerpoint/2010/main" val="3168859564"/>
+        <p14:creationId xmlns:p14="http://schemas.microsoft.com/office/powerpoint/2010/main" val="3660893733"/>
       </p:ext>
     </p:extLst>
   </p:cSld>

--- a/Agenda.pptx
+++ b/Agenda.pptx
@@ -265,7 +265,7 @@
           <a:p>
             <a:fld id="{B912D0AE-064D-4AF1-BBEB-61FB3726AD02}" type="datetimeFigureOut">
               <a:rPr lang="en-US" smtClean="0"/>
-              <a:t>11/28/2024</a:t>
+              <a:t>11/29/2024</a:t>
             </a:fld>
             <a:endParaRPr lang="en-US"/>
           </a:p>
@@ -463,7 +463,7 @@
           <a:p>
             <a:fld id="{B912D0AE-064D-4AF1-BBEB-61FB3726AD02}" type="datetimeFigureOut">
               <a:rPr lang="en-US" smtClean="0"/>
-              <a:t>11/28/2024</a:t>
+              <a:t>11/29/2024</a:t>
             </a:fld>
             <a:endParaRPr lang="en-US"/>
           </a:p>
@@ -671,7 +671,7 @@
           <a:p>
             <a:fld id="{B912D0AE-064D-4AF1-BBEB-61FB3726AD02}" type="datetimeFigureOut">
               <a:rPr lang="en-US" smtClean="0"/>
-              <a:t>11/28/2024</a:t>
+              <a:t>11/29/2024</a:t>
             </a:fld>
             <a:endParaRPr lang="en-US"/>
           </a:p>
@@ -869,7 +869,7 @@
           <a:p>
             <a:fld id="{B912D0AE-064D-4AF1-BBEB-61FB3726AD02}" type="datetimeFigureOut">
               <a:rPr lang="en-US" smtClean="0"/>
-              <a:t>11/28/2024</a:t>
+              <a:t>11/29/2024</a:t>
             </a:fld>
             <a:endParaRPr lang="en-US"/>
           </a:p>
@@ -1144,7 +1144,7 @@
           <a:p>
             <a:fld id="{B912D0AE-064D-4AF1-BBEB-61FB3726AD02}" type="datetimeFigureOut">
               <a:rPr lang="en-US" smtClean="0"/>
-              <a:t>11/28/2024</a:t>
+              <a:t>11/29/2024</a:t>
             </a:fld>
             <a:endParaRPr lang="en-US"/>
           </a:p>
@@ -1409,7 +1409,7 @@
           <a:p>
             <a:fld id="{B912D0AE-064D-4AF1-BBEB-61FB3726AD02}" type="datetimeFigureOut">
               <a:rPr lang="en-US" smtClean="0"/>
-              <a:t>11/28/2024</a:t>
+              <a:t>11/29/2024</a:t>
             </a:fld>
             <a:endParaRPr lang="en-US"/>
           </a:p>
@@ -1821,7 +1821,7 @@
           <a:p>
             <a:fld id="{B912D0AE-064D-4AF1-BBEB-61FB3726AD02}" type="datetimeFigureOut">
               <a:rPr lang="en-US" smtClean="0"/>
-              <a:t>11/28/2024</a:t>
+              <a:t>11/29/2024</a:t>
             </a:fld>
             <a:endParaRPr lang="en-US"/>
           </a:p>
@@ -1962,7 +1962,7 @@
           <a:p>
             <a:fld id="{B912D0AE-064D-4AF1-BBEB-61FB3726AD02}" type="datetimeFigureOut">
               <a:rPr lang="en-US" smtClean="0"/>
-              <a:t>11/28/2024</a:t>
+              <a:t>11/29/2024</a:t>
             </a:fld>
             <a:endParaRPr lang="en-US"/>
           </a:p>
@@ -2075,7 +2075,7 @@
           <a:p>
             <a:fld id="{B912D0AE-064D-4AF1-BBEB-61FB3726AD02}" type="datetimeFigureOut">
               <a:rPr lang="en-US" smtClean="0"/>
-              <a:t>11/28/2024</a:t>
+              <a:t>11/29/2024</a:t>
             </a:fld>
             <a:endParaRPr lang="en-US"/>
           </a:p>
@@ -2386,7 +2386,7 @@
           <a:p>
             <a:fld id="{B912D0AE-064D-4AF1-BBEB-61FB3726AD02}" type="datetimeFigureOut">
               <a:rPr lang="en-US" smtClean="0"/>
-              <a:t>11/28/2024</a:t>
+              <a:t>11/29/2024</a:t>
             </a:fld>
             <a:endParaRPr lang="en-US"/>
           </a:p>
@@ -2674,7 +2674,7 @@
           <a:p>
             <a:fld id="{B912D0AE-064D-4AF1-BBEB-61FB3726AD02}" type="datetimeFigureOut">
               <a:rPr lang="en-US" smtClean="0"/>
-              <a:t>11/28/2024</a:t>
+              <a:t>11/29/2024</a:t>
             </a:fld>
             <a:endParaRPr lang="en-US"/>
           </a:p>
@@ -2915,7 +2915,7 @@
           <a:p>
             <a:fld id="{B912D0AE-064D-4AF1-BBEB-61FB3726AD02}" type="datetimeFigureOut">
               <a:rPr lang="en-US" smtClean="0"/>
-              <a:t>11/28/2024</a:t>
+              <a:t>11/29/2024</a:t>
             </a:fld>
             <a:endParaRPr lang="en-US"/>
           </a:p>
@@ -3602,8 +3602,12 @@
               <a:buNone/>
             </a:pPr>
             <a:r>
-              <a:rPr lang="en-US" dirty="0"/>
-              <a:t>https://github.com/wonder-phil/ClarityWorkshop3 </a:t>
+              <a:rPr lang="en-US" b="1" dirty="0">
+                <a:solidFill>
+                  <a:srgbClr val="0070C0"/>
+                </a:solidFill>
+              </a:rPr>
+              <a:t>https://github.com/wonder-phil/ClarityWorkshopMain</a:t>
             </a:r>
           </a:p>
         </p:txBody>
